--- a/slides/NLP/02 Ngram Language Model.pptx
+++ b/slides/NLP/02 Ngram Language Model.pptx
@@ -8,7 +8,7 @@
     <p:notesMasterId r:id="rId4"/>
   </p:notesMasterIdLst>
   <p:handoutMasterIdLst>
-    <p:handoutMasterId r:id="rId20"/>
+    <p:handoutMasterId r:id="rId21"/>
   </p:handoutMasterIdLst>
   <p:sldIdLst>
     <p:sldId id="384" r:id="rId3"/>
@@ -27,6 +27,7 @@
     <p:sldId id="395" r:id="rId17"/>
     <p:sldId id="396" r:id="rId18"/>
     <p:sldId id="407" r:id="rId19"/>
+    <p:sldId id="637" r:id="rId20"/>
   </p:sldIdLst>
   <p:sldSz cx="9144000" cy="5143500" type="screen16x9"/>
   <p:notesSz cx="6845300" cy="9396095"/>
@@ -1223,6 +1224,105 @@
             <a:endParaRPr lang="en-US" dirty="0"/>
           </a:p>
         </p:txBody>
+      </p:sp>
+    </p:spTree>
+  </p:cSld>
+  <p:clrMapOvr>
+    <a:masterClrMapping/>
+  </p:clrMapOvr>
+</p:notes>
+</file>
+
+<file path=ppt/notesSlides/notesSlide12.xml><?xml version="1.0" encoding="utf-8"?>
+<p:notes xmlns:a="http://schemas.openxmlformats.org/drawingml/2006/main" xmlns:r="http://schemas.openxmlformats.org/officeDocument/2006/relationships" xmlns:p="http://schemas.openxmlformats.org/presentationml/2006/main" showMasterPhAnim="0" showMasterSp="0">
+  <p:cSld>
+    <p:spTree>
+      <p:nvGrpSpPr>
+        <p:cNvPr id="578" name="Shape 578"/>
+        <p:cNvGrpSpPr/>
+        <p:nvPr/>
+      </p:nvGrpSpPr>
+      <p:grpSpPr>
+        <a:xfrm>
+          <a:off x="0" y="0"/>
+          <a:ext cx="0" cy="0"/>
+          <a:chOff x="0" y="0"/>
+          <a:chExt cx="0" cy="0"/>
+        </a:xfrm>
+      </p:grpSpPr>
+      <p:sp>
+        <p:nvSpPr>
+          <p:cNvPr id="579" name="Google Shape;579;g30abce0bbc2_0_935:notes"/>
+          <p:cNvSpPr txBox="1"/>
+          <p:nvPr>
+            <p:ph type="body" idx="1"/>
+          </p:nvPr>
+        </p:nvSpPr>
+        <p:spPr>
+          <a:xfrm>
+            <a:off x="685800" y="4400550"/>
+            <a:ext cx="5486400" cy="3600600"/>
+          </a:xfrm>
+          <a:prstGeom prst="rect">
+            <a:avLst/>
+          </a:prstGeom>
+        </p:spPr>
+        <p:txBody>
+          <a:bodyPr spcFirstLastPara="1" wrap="square" lIns="91425" tIns="91425" rIns="91425" bIns="91425" anchor="t" anchorCtr="0">
+            <a:noAutofit/>
+          </a:bodyPr>
+          <a:lstStyle/>
+          <a:p>
+            <a:pPr marL="0" lvl="0" indent="0" algn="l" rtl="0">
+              <a:spcBef>
+                <a:spcPts val="0"/>
+              </a:spcBef>
+              <a:spcAft>
+                <a:spcPts val="0"/>
+              </a:spcAft>
+              <a:buNone/>
+            </a:pPr>
+          </a:p>
+        </p:txBody>
+      </p:sp>
+      <p:sp>
+        <p:nvSpPr>
+          <p:cNvPr id="580" name="Google Shape;580;g30abce0bbc2_0_935:notes"/>
+          <p:cNvSpPr/>
+          <p:nvPr>
+            <p:ph type="sldImg" idx="2"/>
+          </p:nvPr>
+        </p:nvSpPr>
+        <p:spPr>
+          <a:xfrm>
+            <a:off x="685800" y="1143000"/>
+            <a:ext cx="5486400" cy="3086100"/>
+          </a:xfrm>
+          <a:custGeom>
+            <a:avLst/>
+            <a:gdLst/>
+            <a:ahLst/>
+            <a:cxnLst/>
+            <a:rect l="l" t="t" r="r" b="b"/>
+            <a:pathLst>
+              <a:path w="120000" h="120000" extrusionOk="0">
+                <a:moveTo>
+                  <a:pt x="0" y="0"/>
+                </a:moveTo>
+                <a:lnTo>
+                  <a:pt x="120000" y="0"/>
+                </a:lnTo>
+                <a:lnTo>
+                  <a:pt x="120000" y="120000"/>
+                </a:lnTo>
+                <a:lnTo>
+                  <a:pt x="0" y="120000"/>
+                </a:lnTo>
+                <a:close/>
+              </a:path>
+            </a:pathLst>
+          </a:custGeom>
+        </p:spPr>
       </p:sp>
     </p:spTree>
   </p:cSld>
@@ -7919,18 +8019,6 @@
             <a:endParaRPr lang="en-US" sz="3200" dirty="0"/>
           </a:p>
           <a:p>
-            <a:pPr marL="0" indent="0">
-              <a:buNone/>
-            </a:pPr>
-            <a:r>
-              <a:rPr lang="en-US" sz="3200" dirty="0"/>
-              <a:t>More generally, we approximate each component in the product</a:t>
-            </a:r>
-            <a:endParaRPr lang="en-US" sz="3200" dirty="0">
-              <a:latin typeface="Calibri" panose="020F0502020204030204" pitchFamily="34" charset="0"/>
-            </a:endParaRPr>
-          </a:p>
-          <a:p>
             <a:pPr eaLnBrk="1" hangingPunct="1"/>
             <a:endParaRPr lang="en-US" dirty="0">
               <a:latin typeface="Calibri" panose="020F0502020204030204" pitchFamily="34" charset="0"/>
@@ -7987,32 +8075,8 @@
         </p:blipFill>
         <p:spPr>
           <a:xfrm>
-            <a:off x="3549707" y="2301875"/>
-            <a:ext cx="2090305" cy="971550"/>
-          </a:xfrm>
-          <a:prstGeom prst="rect">
-            <a:avLst/>
-          </a:prstGeom>
-        </p:spPr>
-      </p:pic>
-      <p:pic>
-        <p:nvPicPr>
-          <p:cNvPr id="8" name="Picture 7"/>
-          <p:cNvPicPr>
-            <a:picLocks noChangeAspect="1"/>
-          </p:cNvPicPr>
-          <p:nvPr/>
-        </p:nvPicPr>
-        <p:blipFill>
-          <a:blip r:embed="rId3"/>
-          <a:stretch>
-            <a:fillRect/>
-          </a:stretch>
-        </p:blipFill>
-        <p:spPr>
-          <a:xfrm>
-            <a:off x="1240971" y="4123045"/>
-            <a:ext cx="6662057" cy="971550"/>
+            <a:off x="3549650" y="2301875"/>
+            <a:ext cx="3169285" cy="1473200"/>
           </a:xfrm>
           <a:prstGeom prst="rect">
             <a:avLst/>
@@ -8027,124 +8091,7 @@
   <p:timing>
     <p:tnLst>
       <p:par>
-        <p:cTn id="1" dur="indefinite" restart="never" nodeType="tmRoot">
-          <p:childTnLst>
-            <p:seq concurrent="1" nextAc="seek">
-              <p:cTn id="2" dur="indefinite" nodeType="mainSeq">
-                <p:childTnLst>
-                  <p:par>
-                    <p:cTn id="3" fill="hold">
-                      <p:stCondLst>
-                        <p:cond delay="indefinite"/>
-                      </p:stCondLst>
-                      <p:childTnLst>
-                        <p:par>
-                          <p:cTn id="4" fill="hold">
-                            <p:stCondLst>
-                              <p:cond delay="0"/>
-                            </p:stCondLst>
-                            <p:childTnLst>
-                              <p:par>
-                                <p:cTn id="5" presetID="1" presetClass="entr" presetSubtype="0" fill="hold" nodeType="clickEffect">
-                                  <p:stCondLst>
-                                    <p:cond delay="0"/>
-                                  </p:stCondLst>
-                                  <p:childTnLst>
-                                    <p:set>
-                                      <p:cBhvr>
-                                        <p:cTn id="6" dur="1" fill="hold">
-                                          <p:stCondLst>
-                                            <p:cond delay="0"/>
-                                          </p:stCondLst>
-                                        </p:cTn>
-                                        <p:tgtEl>
-                                          <p:spTgt spid="75779">
-                                            <p:txEl>
-                                              <p:pRg st="4" end="4"/>
-                                            </p:txEl>
-                                          </p:spTgt>
-                                        </p:tgtEl>
-                                        <p:attrNameLst>
-                                          <p:attrName>style.visibility</p:attrName>
-                                        </p:attrNameLst>
-                                      </p:cBhvr>
-                                      <p:to>
-                                        <p:strVal val="visible"/>
-                                      </p:to>
-                                    </p:set>
-                                  </p:childTnLst>
-                                </p:cTn>
-                              </p:par>
-                            </p:childTnLst>
-                          </p:cTn>
-                        </p:par>
-                      </p:childTnLst>
-                    </p:cTn>
-                  </p:par>
-                  <p:par>
-                    <p:cTn id="7" fill="hold">
-                      <p:stCondLst>
-                        <p:cond delay="indefinite"/>
-                      </p:stCondLst>
-                      <p:childTnLst>
-                        <p:par>
-                          <p:cTn id="8" fill="hold">
-                            <p:stCondLst>
-                              <p:cond delay="0"/>
-                            </p:stCondLst>
-                            <p:childTnLst>
-                              <p:par>
-                                <p:cTn id="9" presetID="1" presetClass="entr" presetSubtype="0" fill="hold" nodeType="clickEffect">
-                                  <p:stCondLst>
-                                    <p:cond delay="0"/>
-                                  </p:stCondLst>
-                                  <p:childTnLst>
-                                    <p:set>
-                                      <p:cBhvr>
-                                        <p:cTn id="10" dur="1" fill="hold">
-                                          <p:stCondLst>
-                                            <p:cond delay="0"/>
-                                          </p:stCondLst>
-                                        </p:cTn>
-                                        <p:tgtEl>
-                                          <p:spTgt spid="8"/>
-                                        </p:tgtEl>
-                                        <p:attrNameLst>
-                                          <p:attrName>style.visibility</p:attrName>
-                                        </p:attrNameLst>
-                                      </p:cBhvr>
-                                      <p:to>
-                                        <p:strVal val="visible"/>
-                                      </p:to>
-                                    </p:set>
-                                  </p:childTnLst>
-                                </p:cTn>
-                              </p:par>
-                            </p:childTnLst>
-                          </p:cTn>
-                        </p:par>
-                      </p:childTnLst>
-                    </p:cTn>
-                  </p:par>
-                </p:childTnLst>
-              </p:cTn>
-              <p:prevCondLst>
-                <p:cond evt="onPrev" delay="0">
-                  <p:tgtEl>
-                    <p:sldTgt/>
-                  </p:tgtEl>
-                </p:cond>
-              </p:prevCondLst>
-              <p:nextCondLst>
-                <p:cond evt="onNext" delay="0">
-                  <p:tgtEl>
-                    <p:sldTgt/>
-                  </p:tgtEl>
-                </p:cond>
-              </p:nextCondLst>
-            </p:seq>
-          </p:childTnLst>
-        </p:cTn>
+        <p:cTn id="1" dur="indefinite" restart="never" nodeType="tmRoot"/>
       </p:par>
     </p:tnLst>
   </p:timing>
@@ -8969,6 +8916,201 @@
 </p:sld>
 </file>
 
+<file path=ppt/slides/slide17.xml><?xml version="1.0" encoding="utf-8"?>
+<p:sld xmlns:a="http://schemas.openxmlformats.org/drawingml/2006/main" xmlns:r="http://schemas.openxmlformats.org/officeDocument/2006/relationships" xmlns:p="http://schemas.openxmlformats.org/presentationml/2006/main">
+  <p:cSld>
+    <p:spTree>
+      <p:nvGrpSpPr>
+        <p:cNvPr id="581" name="Shape 581"/>
+        <p:cNvGrpSpPr/>
+        <p:nvPr/>
+      </p:nvGrpSpPr>
+      <p:grpSpPr>
+        <a:xfrm>
+          <a:off x="0" y="0"/>
+          <a:ext cx="0" cy="0"/>
+          <a:chOff x="0" y="0"/>
+          <a:chExt cx="0" cy="0"/>
+        </a:xfrm>
+      </p:grpSpPr>
+      <p:sp>
+        <p:nvSpPr>
+          <p:cNvPr id="582" name="Google Shape;582;p79"/>
+          <p:cNvSpPr txBox="1"/>
+          <p:nvPr>
+            <p:ph type="title"/>
+          </p:nvPr>
+        </p:nvSpPr>
+        <p:spPr>
+          <a:xfrm>
+            <a:off x="471505" y="205375"/>
+            <a:ext cx="8277900" cy="745800"/>
+          </a:xfrm>
+          <a:prstGeom prst="rect">
+            <a:avLst/>
+          </a:prstGeom>
+          <a:noFill/>
+          <a:ln>
+            <a:noFill/>
+          </a:ln>
+        </p:spPr>
+        <p:txBody>
+          <a:bodyPr spcFirstLastPara="1" wrap="square" lIns="68575" tIns="34275" rIns="68575" bIns="34275" anchor="ctr" anchorCtr="0">
+            <a:normAutofit/>
+          </a:bodyPr>
+          <a:lstStyle/>
+          <a:p>
+            <a:pPr marL="0" lvl="0" indent="0" algn="ctr" rtl="0">
+              <a:lnSpc>
+                <a:spcPct val="90000"/>
+              </a:lnSpc>
+              <a:spcBef>
+                <a:spcPts val="0"/>
+              </a:spcBef>
+              <a:spcAft>
+                <a:spcPts val="0"/>
+              </a:spcAft>
+              <a:buClr>
+                <a:schemeClr val="dk1"/>
+              </a:buClr>
+              <a:buSzPts val="3300"/>
+              <a:buFont typeface="Calibri" panose="020F0502020204030204"/>
+              <a:buNone/>
+            </a:pPr>
+            <a:r>
+              <a:rPr lang="en-GB" sz="3000"/>
+              <a:t>Questions </a:t>
+            </a:r>
+            <a:r>
+              <a:rPr lang="en-GB" sz="4000"/>
+              <a:t>☺</a:t>
+            </a:r>
+            <a:endParaRPr sz="4000"/>
+          </a:p>
+        </p:txBody>
+      </p:sp>
+      <p:pic>
+        <p:nvPicPr>
+          <p:cNvPr id="583" name="Google Shape;583;p79" descr="شخص لديه فكرة خطوط عريضة"/>
+          <p:cNvPicPr preferRelativeResize="0"/>
+          <p:nvPr>
+            <p:ph type="body" idx="1"/>
+          </p:nvPr>
+        </p:nvPicPr>
+        <p:blipFill rotWithShape="1">
+          <a:blip r:embed="rId1"/>
+          <a:srcRect/>
+          <a:stretch>
+            <a:fillRect/>
+          </a:stretch>
+        </p:blipFill>
+        <p:spPr>
+          <a:xfrm>
+            <a:off x="1698701" y="2533650"/>
+            <a:ext cx="2476500" cy="2476500"/>
+          </a:xfrm>
+          <a:prstGeom prst="rect">
+            <a:avLst/>
+          </a:prstGeom>
+          <a:noFill/>
+          <a:ln>
+            <a:noFill/>
+          </a:ln>
+        </p:spPr>
+      </p:pic>
+      <p:pic>
+        <p:nvPicPr>
+          <p:cNvPr id="584" name="Google Shape;584;p79" descr="روبوت خطوط عريضة"/>
+          <p:cNvPicPr preferRelativeResize="0"/>
+          <p:nvPr/>
+        </p:nvPicPr>
+        <p:blipFill rotWithShape="1">
+          <a:blip r:embed="rId2"/>
+          <a:srcRect/>
+          <a:stretch>
+            <a:fillRect/>
+          </a:stretch>
+        </p:blipFill>
+        <p:spPr>
+          <a:xfrm>
+            <a:off x="5136842" y="2400300"/>
+            <a:ext cx="2743200" cy="2743200"/>
+          </a:xfrm>
+          <a:prstGeom prst="rect">
+            <a:avLst/>
+          </a:prstGeom>
+          <a:noFill/>
+          <a:ln>
+            <a:noFill/>
+          </a:ln>
+        </p:spPr>
+      </p:pic>
+      <p:sp>
+        <p:nvSpPr>
+          <p:cNvPr id="585" name="Google Shape;585;p79"/>
+          <p:cNvSpPr txBox="1"/>
+          <p:nvPr/>
+        </p:nvSpPr>
+        <p:spPr>
+          <a:xfrm>
+            <a:off x="3629" y="1104447"/>
+            <a:ext cx="9144000" cy="857400"/>
+          </a:xfrm>
+          <a:prstGeom prst="rect">
+            <a:avLst/>
+          </a:prstGeom>
+          <a:noFill/>
+          <a:ln>
+            <a:noFill/>
+          </a:ln>
+        </p:spPr>
+        <p:txBody>
+          <a:bodyPr spcFirstLastPara="1" wrap="square" lIns="68575" tIns="34275" rIns="68575" bIns="34275" anchor="ctr" anchorCtr="0">
+            <a:noAutofit/>
+          </a:bodyPr>
+          <a:lstStyle/>
+          <a:p>
+            <a:pPr marL="0" marR="0" lvl="0" indent="0" algn="ctr" rtl="0">
+              <a:spcBef>
+                <a:spcPts val="0"/>
+              </a:spcBef>
+              <a:spcAft>
+                <a:spcPts val="0"/>
+              </a:spcAft>
+              <a:buNone/>
+            </a:pPr>
+            <a:r>
+              <a:rPr lang="en-GB" sz="2600">
+                <a:solidFill>
+                  <a:schemeClr val="dk2"/>
+                </a:solidFill>
+                <a:latin typeface="Palatino"/>
+                <a:ea typeface="Palatino"/>
+                <a:cs typeface="Palatino"/>
+                <a:sym typeface="Palatino"/>
+              </a:rPr>
+              <a:t>Thanks … Grazie … شكرا … Gracias … Merci … 谢谢 (Xièxiè)</a:t>
+            </a:r>
+            <a:endParaRPr sz="2600">
+              <a:solidFill>
+                <a:schemeClr val="dk2"/>
+              </a:solidFill>
+              <a:latin typeface="Palatino"/>
+              <a:ea typeface="Palatino"/>
+              <a:cs typeface="Palatino"/>
+              <a:sym typeface="Palatino"/>
+            </a:endParaRPr>
+          </a:p>
+        </p:txBody>
+      </p:sp>
+    </p:spTree>
+  </p:cSld>
+  <p:clrMapOvr>
+    <a:masterClrMapping/>
+  </p:clrMapOvr>
+</p:sld>
+</file>
+
 <file path=ppt/slides/slide2.xml><?xml version="1.0" encoding="utf-8"?>
 <p:sld xmlns:a="http://schemas.openxmlformats.org/drawingml/2006/main" xmlns:r="http://schemas.openxmlformats.org/officeDocument/2006/relationships" xmlns:p="http://schemas.openxmlformats.org/presentationml/2006/main">
   <p:cSld>
@@ -9559,7 +9701,7 @@
             </a:pPr>
             <a:r>
               <a:rPr lang="en-US" altLang="en-GB" sz="1600"/>
-              <a:t>"coffee." - 0.60 (Most likely, as many people enjoy coffee after work.)</a:t>
+              <a:t>"coffee."  0.60 (Most likely, as many people enjoy coffee after work.)</a:t>
             </a:r>
             <a:endParaRPr lang="en-US" altLang="en-GB" sz="1600"/>
           </a:p>
@@ -9569,7 +9711,7 @@
             </a:pPr>
             <a:r>
               <a:rPr lang="en-US" altLang="en-GB" sz="1600"/>
-              <a:t>"hot chocolate." - 0.25 (A popular choice, especially in colder weather.)</a:t>
+              <a:t>"hot chocolate."  0.25 (A popular choice, especially in colder weather.)</a:t>
             </a:r>
             <a:endParaRPr lang="en-US" altLang="en-GB" sz="1600"/>
           </a:p>
@@ -9579,7 +9721,7 @@
             </a:pPr>
             <a:r>
               <a:rPr lang="en-US" altLang="en-GB" sz="1600"/>
-              <a:t>"water." - 0.15 (A common beverage, but less likely in the context of a comforting drink after work.)</a:t>
+              <a:t>"water."  0.15 (A common beverage, but less likely in the context of a comforting drink after work.)</a:t>
             </a:r>
             <a:endParaRPr lang="en-US" altLang="en-GB" sz="1600"/>
           </a:p>
